--- a/Presentations/NOBUGS 2012/Posters/Continuous Build Test and Deploy/testing_release_cycle.pptx
+++ b/Presentations/NOBUGS 2012/Posters/Continuous Build Test and Deploy/testing_release_cycle.pptx
@@ -1175,6 +1175,13 @@
         </dgm:presLayoutVars>
       </dgm:prSet>
       <dgm:spPr/>
+      <dgm:t>
+        <a:bodyPr/>
+        <a:lstStyle/>
+        <a:p>
+          <a:endParaRPr lang="en-GB"/>
+        </a:p>
+      </dgm:t>
     </dgm:pt>
     <dgm:pt modelId="{4479BDFC-AE63-4FF1-B63A-66946E956AE7}" type="pres">
       <dgm:prSet presAssocID="{62828217-6E16-4594-A8C2-4A31E4ED59AF}" presName="circleB" presStyleLbl="node1" presStyleIdx="1" presStyleCnt="6"/>
@@ -1199,6 +1206,13 @@
         </dgm:presLayoutVars>
       </dgm:prSet>
       <dgm:spPr/>
+      <dgm:t>
+        <a:bodyPr/>
+        <a:lstStyle/>
+        <a:p>
+          <a:endParaRPr lang="en-GB"/>
+        </a:p>
+      </dgm:t>
     </dgm:pt>
     <dgm:pt modelId="{6B024353-39A1-4E5F-BC02-D1ABF369DB87}" type="pres">
       <dgm:prSet presAssocID="{91426D43-CE79-4778-9485-4BBE4009765B}" presName="circleA" presStyleLbl="node1" presStyleIdx="2" presStyleCnt="6"/>
@@ -1223,6 +1237,13 @@
         </dgm:presLayoutVars>
       </dgm:prSet>
       <dgm:spPr/>
+      <dgm:t>
+        <a:bodyPr/>
+        <a:lstStyle/>
+        <a:p>
+          <a:endParaRPr lang="en-GB"/>
+        </a:p>
+      </dgm:t>
     </dgm:pt>
     <dgm:pt modelId="{A922729D-A892-4E2F-A99F-7F8F5BE38BB0}" type="pres">
       <dgm:prSet presAssocID="{F0C96B8C-6963-41DB-B9CD-3E38BA5EC9EC}" presName="circleB" presStyleLbl="node1" presStyleIdx="3" presStyleCnt="6"/>
@@ -1251,6 +1272,13 @@
         </dgm:presLayoutVars>
       </dgm:prSet>
       <dgm:spPr/>
+      <dgm:t>
+        <a:bodyPr/>
+        <a:lstStyle/>
+        <a:p>
+          <a:endParaRPr lang="en-GB"/>
+        </a:p>
+      </dgm:t>
     </dgm:pt>
     <dgm:pt modelId="{9E159B42-D019-4B9E-8188-330A1FE36DF7}" type="pres">
       <dgm:prSet presAssocID="{CDAF8FFD-1E1D-477E-9DE2-C1D1633301B1}" presName="circleA" presStyleLbl="node1" presStyleIdx="4" presStyleCnt="6"/>
@@ -1279,6 +1307,13 @@
         </dgm:presLayoutVars>
       </dgm:prSet>
       <dgm:spPr/>
+      <dgm:t>
+        <a:bodyPr/>
+        <a:lstStyle/>
+        <a:p>
+          <a:endParaRPr lang="en-GB"/>
+        </a:p>
+      </dgm:t>
     </dgm:pt>
     <dgm:pt modelId="{E2614138-160C-408A-AF43-22B6BA58329A}" type="pres">
       <dgm:prSet presAssocID="{216B8394-7027-40F7-B8DD-0E8B29FBFE30}" presName="circleB" presStyleLbl="node1" presStyleIdx="5" presStyleCnt="6"/>
@@ -1294,19 +1329,19 @@
     </dgm:pt>
   </dgm:ptLst>
   <dgm:cxnLst>
+    <dgm:cxn modelId="{96A36D7C-0F07-45DC-B75E-BCD01E517BD7}" type="presOf" srcId="{91426D43-CE79-4778-9485-4BBE4009765B}" destId="{1F73D4BF-6C92-47B0-88D7-AC5312404AE8}" srcOrd="0" destOrd="0" presId="urn:microsoft.com/office/officeart/2005/8/layout/hProcess11"/>
+    <dgm:cxn modelId="{2CFDF47A-B3C7-4780-B121-4E7455093919}" srcId="{B2D96D5A-1A3C-40C9-89BC-D6BA58755212}" destId="{8B695E3F-E786-40BE-871A-B858960EA76B}" srcOrd="0" destOrd="0" parTransId="{DCDFDFEE-2ECB-407A-A009-AC38C8AD67A6}" sibTransId="{9C980654-C3F9-48D7-B4EF-53543FCD792D}"/>
+    <dgm:cxn modelId="{419B16C2-B77C-4D07-895B-F15A0313E17E}" srcId="{B2D96D5A-1A3C-40C9-89BC-D6BA58755212}" destId="{91426D43-CE79-4778-9485-4BBE4009765B}" srcOrd="2" destOrd="0" parTransId="{EBCBFC33-AF81-4C2C-B5F2-7940ECDB4FD0}" sibTransId="{8FB7DC39-9974-483F-8442-7E8B097F1EC5}"/>
+    <dgm:cxn modelId="{04007CE2-F98F-43FD-9971-632EBF29A369}" srcId="{B2D96D5A-1A3C-40C9-89BC-D6BA58755212}" destId="{216B8394-7027-40F7-B8DD-0E8B29FBFE30}" srcOrd="5" destOrd="0" parTransId="{F81694E3-C00E-49CC-B550-BFBB49C90466}" sibTransId="{D480E7CF-9798-493C-9B00-6184E453DA32}"/>
+    <dgm:cxn modelId="{51D58FA0-6BBB-42D7-BF24-ACD848E0542B}" srcId="{B2D96D5A-1A3C-40C9-89BC-D6BA58755212}" destId="{F0C96B8C-6963-41DB-B9CD-3E38BA5EC9EC}" srcOrd="3" destOrd="0" parTransId="{F427DDA2-AFC0-4C81-A9A5-B535DBF45C54}" sibTransId="{1BAF8F8B-6980-40A3-89F2-00B6DAA5F5D7}"/>
+    <dgm:cxn modelId="{FEBC48DA-B8E8-42B2-BA18-77B55FA00A22}" type="presOf" srcId="{62828217-6E16-4594-A8C2-4A31E4ED59AF}" destId="{320B8144-18B3-4DB9-B4C1-48F05476DC7E}" srcOrd="0" destOrd="0" presId="urn:microsoft.com/office/officeart/2005/8/layout/hProcess11"/>
+    <dgm:cxn modelId="{45EEE7D4-B3FE-4F26-A1A4-476EBF1B96AC}" type="presOf" srcId="{216B8394-7027-40F7-B8DD-0E8B29FBFE30}" destId="{09985E74-89CA-4B26-83D8-A488DC312780}" srcOrd="0" destOrd="0" presId="urn:microsoft.com/office/officeart/2005/8/layout/hProcess11"/>
+    <dgm:cxn modelId="{F40A1020-7927-4624-9CAB-9FA7A4A363EC}" srcId="{B2D96D5A-1A3C-40C9-89BC-D6BA58755212}" destId="{CDAF8FFD-1E1D-477E-9DE2-C1D1633301B1}" srcOrd="4" destOrd="0" parTransId="{973A58FA-F477-4E00-89E7-EC1863F6B7F9}" sibTransId="{308F429D-4400-44F1-9C43-812C98A78F27}"/>
     <dgm:cxn modelId="{D24F3A2A-6825-4D83-A561-E153D87C40E9}" type="presOf" srcId="{CDAF8FFD-1E1D-477E-9DE2-C1D1633301B1}" destId="{E9470700-B123-4945-B7E5-1C6B3B0774EA}" srcOrd="0" destOrd="0" presId="urn:microsoft.com/office/officeart/2005/8/layout/hProcess11"/>
-    <dgm:cxn modelId="{F40A1020-7927-4624-9CAB-9FA7A4A363EC}" srcId="{B2D96D5A-1A3C-40C9-89BC-D6BA58755212}" destId="{CDAF8FFD-1E1D-477E-9DE2-C1D1633301B1}" srcOrd="4" destOrd="0" parTransId="{973A58FA-F477-4E00-89E7-EC1863F6B7F9}" sibTransId="{308F429D-4400-44F1-9C43-812C98A78F27}"/>
-    <dgm:cxn modelId="{419B16C2-B77C-4D07-895B-F15A0313E17E}" srcId="{B2D96D5A-1A3C-40C9-89BC-D6BA58755212}" destId="{91426D43-CE79-4778-9485-4BBE4009765B}" srcOrd="2" destOrd="0" parTransId="{EBCBFC33-AF81-4C2C-B5F2-7940ECDB4FD0}" sibTransId="{8FB7DC39-9974-483F-8442-7E8B097F1EC5}"/>
-    <dgm:cxn modelId="{96A36D7C-0F07-45DC-B75E-BCD01E517BD7}" type="presOf" srcId="{91426D43-CE79-4778-9485-4BBE4009765B}" destId="{1F73D4BF-6C92-47B0-88D7-AC5312404AE8}" srcOrd="0" destOrd="0" presId="urn:microsoft.com/office/officeart/2005/8/layout/hProcess11"/>
-    <dgm:cxn modelId="{51D58FA0-6BBB-42D7-BF24-ACD848E0542B}" srcId="{B2D96D5A-1A3C-40C9-89BC-D6BA58755212}" destId="{F0C96B8C-6963-41DB-B9CD-3E38BA5EC9EC}" srcOrd="3" destOrd="0" parTransId="{F427DDA2-AFC0-4C81-A9A5-B535DBF45C54}" sibTransId="{1BAF8F8B-6980-40A3-89F2-00B6DAA5F5D7}"/>
-    <dgm:cxn modelId="{04007CE2-F98F-43FD-9971-632EBF29A369}" srcId="{B2D96D5A-1A3C-40C9-89BC-D6BA58755212}" destId="{216B8394-7027-40F7-B8DD-0E8B29FBFE30}" srcOrd="5" destOrd="0" parTransId="{F81694E3-C00E-49CC-B550-BFBB49C90466}" sibTransId="{D480E7CF-9798-493C-9B00-6184E453DA32}"/>
-    <dgm:cxn modelId="{2CFDF47A-B3C7-4780-B121-4E7455093919}" srcId="{B2D96D5A-1A3C-40C9-89BC-D6BA58755212}" destId="{8B695E3F-E786-40BE-871A-B858960EA76B}" srcOrd="0" destOrd="0" parTransId="{DCDFDFEE-2ECB-407A-A009-AC38C8AD67A6}" sibTransId="{9C980654-C3F9-48D7-B4EF-53543FCD792D}"/>
     <dgm:cxn modelId="{D75D3560-1611-45C0-9EAA-2CA0212E55C9}" type="presOf" srcId="{8B695E3F-E786-40BE-871A-B858960EA76B}" destId="{68792372-3B13-4E8E-BBBD-E02428010220}" srcOrd="0" destOrd="0" presId="urn:microsoft.com/office/officeart/2005/8/layout/hProcess11"/>
-    <dgm:cxn modelId="{FEBC48DA-B8E8-42B2-BA18-77B55FA00A22}" type="presOf" srcId="{62828217-6E16-4594-A8C2-4A31E4ED59AF}" destId="{320B8144-18B3-4DB9-B4C1-48F05476DC7E}" srcOrd="0" destOrd="0" presId="urn:microsoft.com/office/officeart/2005/8/layout/hProcess11"/>
+    <dgm:cxn modelId="{DE4C0C25-7DCA-4EBD-940F-EBD63B80F392}" type="presOf" srcId="{B2D96D5A-1A3C-40C9-89BC-D6BA58755212}" destId="{127C0F08-7081-4312-8045-58749913BC09}" srcOrd="0" destOrd="0" presId="urn:microsoft.com/office/officeart/2005/8/layout/hProcess11"/>
+    <dgm:cxn modelId="{BABB190A-8CCA-42F7-9F1D-63D9E89C6B46}" type="presOf" srcId="{F0C96B8C-6963-41DB-B9CD-3E38BA5EC9EC}" destId="{BBF1921B-ADD2-428A-B445-7939F9EC4C5F}" srcOrd="0" destOrd="0" presId="urn:microsoft.com/office/officeart/2005/8/layout/hProcess11"/>
     <dgm:cxn modelId="{3A74B7EC-B175-4532-86DE-CA9D5B88C06C}" srcId="{B2D96D5A-1A3C-40C9-89BC-D6BA58755212}" destId="{62828217-6E16-4594-A8C2-4A31E4ED59AF}" srcOrd="1" destOrd="0" parTransId="{FFB28CB5-62AB-42DF-B594-9AF448DD89C5}" sibTransId="{0E26518C-BD02-420B-8FB4-8EF0E2338ADE}"/>
-    <dgm:cxn modelId="{DE4C0C25-7DCA-4EBD-940F-EBD63B80F392}" type="presOf" srcId="{B2D96D5A-1A3C-40C9-89BC-D6BA58755212}" destId="{127C0F08-7081-4312-8045-58749913BC09}" srcOrd="0" destOrd="0" presId="urn:microsoft.com/office/officeart/2005/8/layout/hProcess11"/>
-    <dgm:cxn modelId="{45EEE7D4-B3FE-4F26-A1A4-476EBF1B96AC}" type="presOf" srcId="{216B8394-7027-40F7-B8DD-0E8B29FBFE30}" destId="{09985E74-89CA-4B26-83D8-A488DC312780}" srcOrd="0" destOrd="0" presId="urn:microsoft.com/office/officeart/2005/8/layout/hProcess11"/>
-    <dgm:cxn modelId="{BABB190A-8CCA-42F7-9F1D-63D9E89C6B46}" type="presOf" srcId="{F0C96B8C-6963-41DB-B9CD-3E38BA5EC9EC}" destId="{BBF1921B-ADD2-428A-B445-7939F9EC4C5F}" srcOrd="0" destOrd="0" presId="urn:microsoft.com/office/officeart/2005/8/layout/hProcess11"/>
     <dgm:cxn modelId="{9A62014F-918A-4502-A134-2AA9CD0A0D66}" type="presParOf" srcId="{127C0F08-7081-4312-8045-58749913BC09}" destId="{DB5286E6-738B-49B8-9E27-2A7632F6C029}" srcOrd="0" destOrd="0" presId="urn:microsoft.com/office/officeart/2005/8/layout/hProcess11"/>
     <dgm:cxn modelId="{588256E4-E2A6-4FB4-A7A8-8F948485215B}" type="presParOf" srcId="{127C0F08-7081-4312-8045-58749913BC09}" destId="{47407E16-282D-4EA6-98BE-6D09E305E20E}" srcOrd="1" destOrd="0" presId="urn:microsoft.com/office/officeart/2005/8/layout/hProcess11"/>
     <dgm:cxn modelId="{C843E98A-EFB2-4AA9-8B12-DB5F25920285}" type="presParOf" srcId="{47407E16-282D-4EA6-98BE-6D09E305E20E}" destId="{A9CFC99D-7B84-4A26-BA3D-8C0500DE820D}" srcOrd="0" destOrd="0" presId="urn:microsoft.com/office/officeart/2005/8/layout/hProcess11"/>
@@ -1364,8 +1399,8 @@
       </dsp:nvSpPr>
       <dsp:spPr>
         <a:xfrm>
-          <a:off x="0" y="2376277"/>
-          <a:ext cx="12814317" cy="3186725"/>
+          <a:off x="0" y="2140019"/>
+          <a:ext cx="10009112" cy="2869890"/>
         </a:xfrm>
         <a:prstGeom prst="notchedRightArrow">
           <a:avLst/>
@@ -1412,8 +1447,8 @@
       </dsp:nvSpPr>
       <dsp:spPr>
         <a:xfrm>
-          <a:off x="3167" y="0"/>
-          <a:ext cx="1844248" cy="3186725"/>
+          <a:off x="2474" y="0"/>
+          <a:ext cx="1440520" cy="2869890"/>
         </a:xfrm>
         <a:prstGeom prst="rect">
           <a:avLst/>
@@ -1437,12 +1472,12 @@
         <a:fontRef idx="minor"/>
       </dsp:style>
       <dsp:txBody>
-        <a:bodyPr spcFirstLastPara="0" vert="horz" wrap="square" lIns="241808" tIns="241808" rIns="241808" bIns="241808" numCol="1" spcCol="1270" anchor="b" anchorCtr="0">
+        <a:bodyPr spcFirstLastPara="0" vert="horz" wrap="square" lIns="184912" tIns="184912" rIns="184912" bIns="184912" numCol="1" spcCol="1270" anchor="b" anchorCtr="0">
           <a:noAutofit/>
         </a:bodyPr>
         <a:lstStyle/>
         <a:p>
-          <a:pPr lvl="0" algn="ctr" defTabSz="1511300">
+          <a:pPr lvl="0" algn="ctr" defTabSz="1155700">
             <a:lnSpc>
               <a:spcPct val="90000"/>
             </a:lnSpc>
@@ -1454,15 +1489,15 @@
             </a:spcAft>
           </a:pPr>
           <a:r>
-            <a:rPr lang="en-GB" sz="3400" kern="1200" dirty="0" smtClean="0"/>
+            <a:rPr lang="en-GB" sz="2600" kern="1200" dirty="0" smtClean="0"/>
             <a:t>Manually fetch and deploy release candidate</a:t>
           </a:r>
-          <a:endParaRPr lang="en-GB" sz="3400" kern="1200" dirty="0"/>
+          <a:endParaRPr lang="en-GB" sz="2600" kern="1200" dirty="0"/>
         </a:p>
       </dsp:txBody>
       <dsp:txXfrm>
-        <a:off x="3167" y="0"/>
-        <a:ext cx="1844248" cy="3186725"/>
+        <a:off x="2474" y="0"/>
+        <a:ext cx="1440520" cy="2869890"/>
       </dsp:txXfrm>
     </dsp:sp>
     <dsp:sp modelId="{22A5A2BC-64FC-453E-9D9B-AEB88DACC9E8}">
@@ -1472,8 +1507,8 @@
       </dsp:nvSpPr>
       <dsp:spPr>
         <a:xfrm>
-          <a:off x="526950" y="3585066"/>
-          <a:ext cx="796681" cy="796681"/>
+          <a:off x="363998" y="3228626"/>
+          <a:ext cx="717472" cy="717472"/>
         </a:xfrm>
         <a:prstGeom prst="ellipse">
           <a:avLst/>
@@ -1520,8 +1555,8 @@
       </dsp:nvSpPr>
       <dsp:spPr>
         <a:xfrm>
-          <a:off x="1939628" y="4780088"/>
-          <a:ext cx="1844248" cy="3186725"/>
+          <a:off x="1515020" y="4304835"/>
+          <a:ext cx="1440520" cy="2869890"/>
         </a:xfrm>
         <a:prstGeom prst="rect">
           <a:avLst/>
@@ -1545,12 +1580,12 @@
         <a:fontRef idx="minor"/>
       </dsp:style>
       <dsp:txBody>
-        <a:bodyPr spcFirstLastPara="0" vert="horz" wrap="square" lIns="241808" tIns="241808" rIns="241808" bIns="241808" numCol="1" spcCol="1270" anchor="t" anchorCtr="0">
+        <a:bodyPr spcFirstLastPara="0" vert="horz" wrap="square" lIns="184912" tIns="184912" rIns="184912" bIns="184912" numCol="1" spcCol="1270" anchor="t" anchorCtr="0">
           <a:noAutofit/>
         </a:bodyPr>
         <a:lstStyle/>
         <a:p>
-          <a:pPr lvl="0" algn="ctr" defTabSz="1511300">
+          <a:pPr lvl="0" algn="ctr" defTabSz="1155700">
             <a:lnSpc>
               <a:spcPct val="90000"/>
             </a:lnSpc>
@@ -1562,15 +1597,15 @@
             </a:spcAft>
           </a:pPr>
           <a:r>
-            <a:rPr lang="en-GB" sz="3400" kern="1200" dirty="0" smtClean="0"/>
+            <a:rPr lang="en-GB" sz="2600" kern="1200" dirty="0" smtClean="0"/>
             <a:t>Manual Ticket Testing</a:t>
           </a:r>
-          <a:endParaRPr lang="en-GB" sz="3400" kern="1200" dirty="0"/>
+          <a:endParaRPr lang="en-GB" sz="2600" kern="1200" dirty="0"/>
         </a:p>
       </dsp:txBody>
       <dsp:txXfrm>
-        <a:off x="1939628" y="4780088"/>
-        <a:ext cx="1844248" cy="3186725"/>
+        <a:off x="1515020" y="4304835"/>
+        <a:ext cx="1440520" cy="2869890"/>
       </dsp:txXfrm>
     </dsp:sp>
     <dsp:sp modelId="{4479BDFC-AE63-4FF1-B63A-66946E956AE7}">
@@ -1580,8 +1615,8 @@
       </dsp:nvSpPr>
       <dsp:spPr>
         <a:xfrm>
-          <a:off x="2463411" y="3585066"/>
-          <a:ext cx="796681" cy="796681"/>
+          <a:off x="1876544" y="3228626"/>
+          <a:ext cx="717472" cy="717472"/>
         </a:xfrm>
         <a:prstGeom prst="ellipse">
           <a:avLst/>
@@ -1628,8 +1663,8 @@
       </dsp:nvSpPr>
       <dsp:spPr>
         <a:xfrm>
-          <a:off x="3876088" y="0"/>
-          <a:ext cx="1844248" cy="3186725"/>
+          <a:off x="3027566" y="0"/>
+          <a:ext cx="1440520" cy="2869890"/>
         </a:xfrm>
         <a:prstGeom prst="rect">
           <a:avLst/>
@@ -1653,12 +1688,12 @@
         <a:fontRef idx="minor"/>
       </dsp:style>
       <dsp:txBody>
-        <a:bodyPr spcFirstLastPara="0" vert="horz" wrap="square" lIns="241808" tIns="241808" rIns="241808" bIns="241808" numCol="1" spcCol="1270" anchor="b" anchorCtr="0">
+        <a:bodyPr spcFirstLastPara="0" vert="horz" wrap="square" lIns="184912" tIns="184912" rIns="184912" bIns="184912" numCol="1" spcCol="1270" anchor="b" anchorCtr="0">
           <a:noAutofit/>
         </a:bodyPr>
         <a:lstStyle/>
         <a:p>
-          <a:pPr lvl="0" algn="ctr" defTabSz="1511300">
+          <a:pPr lvl="0" algn="ctr" defTabSz="1155700">
             <a:lnSpc>
               <a:spcPct val="90000"/>
             </a:lnSpc>
@@ -1670,15 +1705,15 @@
             </a:spcAft>
           </a:pPr>
           <a:r>
-            <a:rPr lang="en-GB" sz="3400" kern="1200" dirty="0" smtClean="0"/>
+            <a:rPr lang="en-GB" sz="2600" kern="1200" dirty="0" smtClean="0"/>
             <a:t>Manual Unscripted Testing</a:t>
           </a:r>
-          <a:endParaRPr lang="en-GB" sz="3400" kern="1200" dirty="0"/>
+          <a:endParaRPr lang="en-GB" sz="2600" kern="1200" dirty="0"/>
         </a:p>
       </dsp:txBody>
       <dsp:txXfrm>
-        <a:off x="3876088" y="0"/>
-        <a:ext cx="1844248" cy="3186725"/>
+        <a:off x="3027566" y="0"/>
+        <a:ext cx="1440520" cy="2869890"/>
       </dsp:txXfrm>
     </dsp:sp>
     <dsp:sp modelId="{6B024353-39A1-4E5F-BC02-D1ABF369DB87}">
@@ -1688,8 +1723,8 @@
       </dsp:nvSpPr>
       <dsp:spPr>
         <a:xfrm>
-          <a:off x="4399871" y="3585066"/>
-          <a:ext cx="796681" cy="796681"/>
+          <a:off x="3389090" y="3228626"/>
+          <a:ext cx="717472" cy="717472"/>
         </a:xfrm>
         <a:prstGeom prst="ellipse">
           <a:avLst/>
@@ -1736,8 +1771,8 @@
       </dsp:nvSpPr>
       <dsp:spPr>
         <a:xfrm>
-          <a:off x="5812548" y="4780088"/>
-          <a:ext cx="1844248" cy="3186725"/>
+          <a:off x="4540113" y="4304835"/>
+          <a:ext cx="1440520" cy="2869890"/>
         </a:xfrm>
         <a:prstGeom prst="rect">
           <a:avLst/>
@@ -1761,12 +1796,12 @@
         <a:fontRef idx="minor"/>
       </dsp:style>
       <dsp:txBody>
-        <a:bodyPr spcFirstLastPara="0" vert="horz" wrap="square" lIns="241808" tIns="241808" rIns="241808" bIns="241808" numCol="1" spcCol="1270" anchor="t" anchorCtr="0">
+        <a:bodyPr spcFirstLastPara="0" vert="horz" wrap="square" lIns="184912" tIns="184912" rIns="184912" bIns="184912" numCol="1" spcCol="1270" anchor="t" anchorCtr="0">
           <a:noAutofit/>
         </a:bodyPr>
         <a:lstStyle/>
         <a:p>
-          <a:pPr lvl="0" algn="ctr" defTabSz="1511300">
+          <a:pPr lvl="0" algn="ctr" defTabSz="1155700">
             <a:lnSpc>
               <a:spcPct val="90000"/>
             </a:lnSpc>
@@ -1778,15 +1813,15 @@
             </a:spcAft>
           </a:pPr>
           <a:r>
-            <a:rPr lang="en-GB" sz="3400" kern="1200" dirty="0" smtClean="0"/>
+            <a:rPr lang="en-GB" sz="2600" kern="1200" dirty="0" smtClean="0"/>
             <a:t>Tag and Version</a:t>
           </a:r>
-          <a:endParaRPr lang="en-GB" sz="3400" kern="1200" dirty="0"/>
+          <a:endParaRPr lang="en-GB" sz="2600" kern="1200" dirty="0"/>
         </a:p>
       </dsp:txBody>
       <dsp:txXfrm>
-        <a:off x="5812548" y="4780088"/>
-        <a:ext cx="1844248" cy="3186725"/>
+        <a:off x="4540113" y="4304835"/>
+        <a:ext cx="1440520" cy="2869890"/>
       </dsp:txXfrm>
     </dsp:sp>
     <dsp:sp modelId="{A922729D-A892-4E2F-A99F-7F8F5BE38BB0}">
@@ -1796,8 +1831,8 @@
       </dsp:nvSpPr>
       <dsp:spPr>
         <a:xfrm>
-          <a:off x="6336332" y="3585066"/>
-          <a:ext cx="796681" cy="796681"/>
+          <a:off x="4901637" y="3228626"/>
+          <a:ext cx="717472" cy="717472"/>
         </a:xfrm>
         <a:prstGeom prst="ellipse">
           <a:avLst/>
@@ -1839,8 +1874,8 @@
       </dsp:nvSpPr>
       <dsp:spPr>
         <a:xfrm>
-          <a:off x="7749009" y="0"/>
-          <a:ext cx="1844248" cy="3186725"/>
+          <a:off x="6052659" y="0"/>
+          <a:ext cx="1440520" cy="2869890"/>
         </a:xfrm>
         <a:prstGeom prst="rect">
           <a:avLst/>
@@ -1864,12 +1899,12 @@
         <a:fontRef idx="minor"/>
       </dsp:style>
       <dsp:txBody>
-        <a:bodyPr spcFirstLastPara="0" vert="horz" wrap="square" lIns="241808" tIns="241808" rIns="241808" bIns="241808" numCol="1" spcCol="1270" anchor="b" anchorCtr="0">
+        <a:bodyPr spcFirstLastPara="0" vert="horz" wrap="square" lIns="184912" tIns="184912" rIns="184912" bIns="184912" numCol="1" spcCol="1270" anchor="b" anchorCtr="0">
           <a:noAutofit/>
         </a:bodyPr>
         <a:lstStyle/>
         <a:p>
-          <a:pPr lvl="0" algn="ctr" defTabSz="1511300">
+          <a:pPr lvl="0" algn="ctr" defTabSz="1155700">
             <a:lnSpc>
               <a:spcPct val="90000"/>
             </a:lnSpc>
@@ -1881,15 +1916,15 @@
             </a:spcAft>
           </a:pPr>
           <a:r>
-            <a:rPr lang="en-GB" sz="3400" kern="1200" dirty="0" smtClean="0"/>
+            <a:rPr lang="en-GB" sz="2600" kern="1200" dirty="0" smtClean="0"/>
             <a:t>Push binaries to download site</a:t>
           </a:r>
-          <a:endParaRPr lang="en-GB" sz="3400" kern="1200" dirty="0"/>
+          <a:endParaRPr lang="en-GB" sz="2600" kern="1200" dirty="0"/>
         </a:p>
       </dsp:txBody>
       <dsp:txXfrm>
-        <a:off x="7749009" y="0"/>
-        <a:ext cx="1844248" cy="3186725"/>
+        <a:off x="6052659" y="0"/>
+        <a:ext cx="1440520" cy="2869890"/>
       </dsp:txXfrm>
     </dsp:sp>
     <dsp:sp modelId="{9E159B42-D019-4B9E-8188-330A1FE36DF7}">
@@ -1899,8 +1934,8 @@
       </dsp:nvSpPr>
       <dsp:spPr>
         <a:xfrm>
-          <a:off x="8272792" y="3585066"/>
-          <a:ext cx="796681" cy="796681"/>
+          <a:off x="6414183" y="3228626"/>
+          <a:ext cx="717472" cy="717472"/>
         </a:xfrm>
         <a:prstGeom prst="ellipse">
           <a:avLst/>
@@ -1942,8 +1977,8 @@
       </dsp:nvSpPr>
       <dsp:spPr>
         <a:xfrm>
-          <a:off x="9685469" y="4780088"/>
-          <a:ext cx="1844248" cy="3186725"/>
+          <a:off x="7565206" y="4304835"/>
+          <a:ext cx="1440520" cy="2869890"/>
         </a:xfrm>
         <a:prstGeom prst="rect">
           <a:avLst/>
@@ -1967,12 +2002,12 @@
         <a:fontRef idx="minor"/>
       </dsp:style>
       <dsp:txBody>
-        <a:bodyPr spcFirstLastPara="0" vert="horz" wrap="square" lIns="241808" tIns="241808" rIns="241808" bIns="241808" numCol="1" spcCol="1270" anchor="t" anchorCtr="0">
+        <a:bodyPr spcFirstLastPara="0" vert="horz" wrap="square" lIns="184912" tIns="184912" rIns="184912" bIns="184912" numCol="1" spcCol="1270" anchor="t" anchorCtr="0">
           <a:noAutofit/>
         </a:bodyPr>
         <a:lstStyle/>
         <a:p>
-          <a:pPr lvl="0" algn="ctr" defTabSz="1511300">
+          <a:pPr lvl="0" algn="ctr" defTabSz="1155700">
             <a:lnSpc>
               <a:spcPct val="90000"/>
             </a:lnSpc>
@@ -1984,15 +2019,15 @@
             </a:spcAft>
           </a:pPr>
           <a:r>
-            <a:rPr lang="en-GB" sz="3400" kern="1200" dirty="0" smtClean="0"/>
+            <a:rPr lang="en-GB" sz="2600" kern="1200" dirty="0" smtClean="0"/>
             <a:t>Announce Release</a:t>
           </a:r>
-          <a:endParaRPr lang="en-GB" sz="3400" kern="1200" dirty="0"/>
+          <a:endParaRPr lang="en-GB" sz="2600" kern="1200" dirty="0"/>
         </a:p>
       </dsp:txBody>
       <dsp:txXfrm>
-        <a:off x="9685469" y="4780088"/>
-        <a:ext cx="1844248" cy="3186725"/>
+        <a:off x="7565206" y="4304835"/>
+        <a:ext cx="1440520" cy="2869890"/>
       </dsp:txXfrm>
     </dsp:sp>
     <dsp:sp modelId="{E2614138-160C-408A-AF43-22B6BA58329A}">
@@ -2002,8 +2037,8 @@
       </dsp:nvSpPr>
       <dsp:spPr>
         <a:xfrm>
-          <a:off x="10209252" y="3585066"/>
-          <a:ext cx="796681" cy="796681"/>
+          <a:off x="7926730" y="3228626"/>
+          <a:ext cx="717472" cy="717472"/>
         </a:xfrm>
         <a:prstGeom prst="ellipse">
           <a:avLst/>
@@ -6357,7 +6392,7 @@
           <p:nvPr/>
         </p:nvGraphicFramePr>
         <p:xfrm>
-          <a:off x="-5186906" y="10528673"/>
+          <a:off x="1005782" y="6136185"/>
           <a:ext cx="28194000" cy="29489400"/>
         </p:xfrm>
         <a:graphic>
@@ -6402,18 +6437,113 @@
                           <a:effectLst/>
                           <a:latin typeface="Corisande" pitchFamily="2" charset="0"/>
                         </a:rPr>
-                        <a:t>Test and Release</a:t>
+                        <a:t>Test and </a:t>
                       </a:r>
-                      <a:endParaRPr kumimoji="0" lang="en-US" sz="5000" b="0" i="0" u="none" strike="noStrike" kern="0" cap="none" normalizeH="0" baseline="0" dirty="0" smtClean="0">
-                        <a:ln>
-                          <a:noFill/>
-                        </a:ln>
-                        <a:solidFill>
-                          <a:srgbClr val="002D55"/>
-                        </a:solidFill>
-                        <a:effectLst/>
-                        <a:latin typeface="Corisande" pitchFamily="2" charset="0"/>
-                      </a:endParaRPr>
+                      <a:r>
+                        <a:rPr kumimoji="0" lang="en-US" sz="5000" b="0" i="0" u="none" strike="noStrike" kern="0" cap="none" normalizeH="0" baseline="0" dirty="0" smtClean="0">
+                          <a:ln>
+                            <a:noFill/>
+                          </a:ln>
+                          <a:solidFill>
+                            <a:srgbClr val="002D55"/>
+                          </a:solidFill>
+                          <a:effectLst/>
+                          <a:latin typeface="Corisande" pitchFamily="2" charset="0"/>
+                        </a:rPr>
+                        <a:t>Release</a:t>
+                      </a:r>
+                    </a:p>
+                    <a:p>
+                      <a:pPr marL="0" marR="0" lvl="0" indent="0" algn="l" defTabSz="4173538" rtl="0" eaLnBrk="1" fontAlgn="base" latinLnBrk="0" hangingPunct="1">
+                        <a:lnSpc>
+                          <a:spcPct val="100000"/>
+                        </a:lnSpc>
+                        <a:spcBef>
+                          <a:spcPct val="20000"/>
+                        </a:spcBef>
+                        <a:spcAft>
+                          <a:spcPct val="0"/>
+                        </a:spcAft>
+                        <a:buClrTx/>
+                        <a:buSzTx/>
+                        <a:buFontTx/>
+                        <a:buNone/>
+                        <a:tabLst/>
+                      </a:pPr>
+                      <a:r>
+                        <a:rPr kumimoji="0" lang="en-US" sz="2400" b="0" i="0" u="none" strike="noStrike" kern="0" cap="none" normalizeH="0" baseline="0" dirty="0" smtClean="0">
+                          <a:ln>
+                            <a:noFill/>
+                          </a:ln>
+                          <a:solidFill>
+                            <a:schemeClr val="tx1"/>
+                          </a:solidFill>
+                          <a:effectLst/>
+                          <a:latin typeface="Arial" pitchFamily="34" charset="0"/>
+                          <a:cs typeface="Arial" pitchFamily="34" charset="0"/>
+                        </a:rPr>
+                        <a:t>At the end of the development phase, the codebase is branched. The clean and acceptance test jobs are duplicated against the release branch.</a:t>
+                      </a:r>
+                    </a:p>
+                    <a:p>
+                      <a:pPr marL="0" marR="0" lvl="0" indent="0" algn="l" defTabSz="4173538" rtl="0" eaLnBrk="1" fontAlgn="base" latinLnBrk="0" hangingPunct="1">
+                        <a:lnSpc>
+                          <a:spcPct val="100000"/>
+                        </a:lnSpc>
+                        <a:spcBef>
+                          <a:spcPct val="20000"/>
+                        </a:spcBef>
+                        <a:spcAft>
+                          <a:spcPct val="0"/>
+                        </a:spcAft>
+                        <a:buClrTx/>
+                        <a:buSzTx/>
+                        <a:buFontTx/>
+                        <a:buNone/>
+                        <a:tabLst/>
+                      </a:pPr>
+                      <a:r>
+                        <a:rPr kumimoji="0" lang="en-US" sz="2400" b="0" i="0" u="none" strike="noStrike" kern="0" cap="none" normalizeH="0" baseline="0" dirty="0" smtClean="0">
+                          <a:ln>
+                            <a:noFill/>
+                          </a:ln>
+                          <a:solidFill>
+                            <a:schemeClr val="tx1"/>
+                          </a:solidFill>
+                          <a:effectLst/>
+                          <a:latin typeface="Arial" pitchFamily="34" charset="0"/>
+                          <a:cs typeface="Arial" pitchFamily="34" charset="0"/>
+                        </a:rPr>
+                        <a:t>This allows developers to apply last-minute patches to the release branch, and reduces the chance that semi-finished changes relating to the next release accidently end-up in the final product. Acceptance test outputs are stored on the download site as ‘Release </a:t>
+                      </a:r>
+                      <a:r>
+                        <a:rPr kumimoji="0" lang="en-US" sz="2400" b="0" i="0" u="none" strike="noStrike" kern="0" cap="none" normalizeH="0" baseline="0" dirty="0" err="1" smtClean="0">
+                          <a:ln>
+                            <a:noFill/>
+                          </a:ln>
+                          <a:solidFill>
+                            <a:schemeClr val="tx1"/>
+                          </a:solidFill>
+                          <a:effectLst/>
+                          <a:latin typeface="Arial" pitchFamily="34" charset="0"/>
+                          <a:cs typeface="Arial" pitchFamily="34" charset="0"/>
+                        </a:rPr>
+                        <a:t>Candiates</a:t>
+                      </a:r>
+                      <a:r>
+                        <a:rPr kumimoji="0" lang="en-US" sz="2400" b="0" i="0" u="none" strike="noStrike" kern="0" cap="none" normalizeH="0" baseline="0" dirty="0" smtClean="0">
+                          <a:ln>
+                            <a:noFill/>
+                          </a:ln>
+                          <a:solidFill>
+                            <a:schemeClr val="tx1"/>
+                          </a:solidFill>
+                          <a:effectLst/>
+                          <a:latin typeface="Arial" pitchFamily="34" charset="0"/>
+                          <a:cs typeface="Arial" pitchFamily="34" charset="0"/>
+                        </a:rPr>
+                        <a:t>’. In the final week of the iteration, all developers are used for testing and each ticket is individually verified via a process of manual testing. Testers may not test tickets they have done any development work on.</a:t>
+                      </a:r>
                     </a:p>
                   </a:txBody>
                   <a:tcPr horzOverflow="overflow">
@@ -6723,8 +6853,8 @@
           <p:nvPr/>
         </p:nvGraphicFramePr>
         <p:xfrm>
-          <a:off x="8710638" y="9232529"/>
-          <a:ext cx="12814317" cy="7966814"/>
+          <a:off x="2589959" y="12616905"/>
+          <a:ext cx="10009112" cy="7174726"/>
         </p:xfrm>
         <a:graphic>
           <a:graphicData uri="http://schemas.openxmlformats.org/drawingml/2006/diagram">
@@ -7867,6 +7997,19 @@
 </file>
 
 <file path=customXml/item1.xml><?xml version="1.0" encoding="utf-8"?>
+<LongProperties xmlns="http://schemas.microsoft.com/office/2006/metadata/longProperties"/>
+</file>
+
+<file path=customXml/item2.xml><?xml version="1.0" encoding="utf-8"?>
+<?mso-contentType ?>
+<FormTemplates xmlns="http://schemas.microsoft.com/sharepoint/v3/contenttype/forms">
+  <Display>DocumentLibraryForm</Display>
+  <Edit>DocumentLibraryForm</Edit>
+  <New>DocumentLibraryForm</New>
+</FormTemplates>
+</file>
+
+<file path=customXml/item3.xml><?xml version="1.0" encoding="utf-8"?>
 <ct:contentTypeSchema xmlns:ct="http://schemas.microsoft.com/office/2006/metadata/contentType" xmlns:ma="http://schemas.microsoft.com/office/2006/metadata/properties/metaAttributes" ct:_="" ma:_="" ma:contentTypeName="Document" ma:contentTypeID="0x0101000BFEB35FB51C0F42A9A471BD9DD2DD1B" ma:contentTypeVersion="1" ma:contentTypeDescription="Create a new document." ma:contentTypeScope="" ma:versionID="35a5236f1a4e3acf6a385f2c1bfe2746">
   <xsd:schema xmlns:xsd="http://www.w3.org/2001/XMLSchema" xmlns:xs="http://www.w3.org/2001/XMLSchema" xmlns:p="http://schemas.microsoft.com/office/2006/metadata/properties" xmlns:ns1="http://schemas.microsoft.com/sharepoint/v3" targetNamespace="http://schemas.microsoft.com/office/2006/metadata/properties" ma:root="true" ma:fieldsID="a447206dab0015f8b9f8924535193e8c" ns1:_="">
     <xsd:import namespace="http://schemas.microsoft.com/sharepoint/v3"/>
@@ -7998,19 +8141,6 @@
 </ct:contentTypeSchema>
 </file>
 
-<file path=customXml/item2.xml><?xml version="1.0" encoding="utf-8"?>
-<?mso-contentType ?>
-<FormTemplates xmlns="http://schemas.microsoft.com/sharepoint/v3/contenttype/forms">
-  <Display>DocumentLibraryForm</Display>
-  <Edit>DocumentLibraryForm</Edit>
-  <New>DocumentLibraryForm</New>
-</FormTemplates>
-</file>
-
-<file path=customXml/item3.xml><?xml version="1.0" encoding="utf-8"?>
-<LongProperties xmlns="http://schemas.microsoft.com/office/2006/metadata/longProperties"/>
-</file>
-
 <file path=customXml/item4.xml><?xml version="1.0" encoding="utf-8"?>
 <p:properties xmlns:p="http://schemas.microsoft.com/office/2006/metadata/properties" xmlns:xsi="http://www.w3.org/2001/XMLSchema-instance">
   <documentManagement>
@@ -8021,6 +8151,22 @@
 </file>
 
 <file path=customXml/itemProps1.xml><?xml version="1.0" encoding="utf-8"?>
+<ds:datastoreItem xmlns:ds="http://schemas.openxmlformats.org/officeDocument/2006/customXml" ds:itemID="{5593874F-BA98-4A0D-88E6-76DECBDFE515}">
+  <ds:schemaRefs>
+    <ds:schemaRef ds:uri="http://schemas.microsoft.com/office/2006/metadata/longProperties"/>
+  </ds:schemaRefs>
+</ds:datastoreItem>
+</file>
+
+<file path=customXml/itemProps2.xml><?xml version="1.0" encoding="utf-8"?>
+<ds:datastoreItem xmlns:ds="http://schemas.openxmlformats.org/officeDocument/2006/customXml" ds:itemID="{BB870582-39B3-4EE1-B4C9-D3C3087CF0F0}">
+  <ds:schemaRefs>
+    <ds:schemaRef ds:uri="http://schemas.microsoft.com/sharepoint/v3/contenttype/forms"/>
+  </ds:schemaRefs>
+</ds:datastoreItem>
+</file>
+
+<file path=customXml/itemProps3.xml><?xml version="1.0" encoding="utf-8"?>
 <ds:datastoreItem xmlns:ds="http://schemas.openxmlformats.org/officeDocument/2006/customXml" ds:itemID="{3B5FA4EA-6C34-4AED-AF36-BD45CB995C14}">
   <ds:schemaRefs>
     <ds:schemaRef ds:uri="http://schemas.microsoft.com/office/2006/metadata/contentType"/>
@@ -8038,22 +8184,6 @@
 </ds:datastoreItem>
 </file>
 
-<file path=customXml/itemProps2.xml><?xml version="1.0" encoding="utf-8"?>
-<ds:datastoreItem xmlns:ds="http://schemas.openxmlformats.org/officeDocument/2006/customXml" ds:itemID="{BB870582-39B3-4EE1-B4C9-D3C3087CF0F0}">
-  <ds:schemaRefs>
-    <ds:schemaRef ds:uri="http://schemas.microsoft.com/sharepoint/v3/contenttype/forms"/>
-  </ds:schemaRefs>
-</ds:datastoreItem>
-</file>
-
-<file path=customXml/itemProps3.xml><?xml version="1.0" encoding="utf-8"?>
-<ds:datastoreItem xmlns:ds="http://schemas.openxmlformats.org/officeDocument/2006/customXml" ds:itemID="{5593874F-BA98-4A0D-88E6-76DECBDFE515}">
-  <ds:schemaRefs>
-    <ds:schemaRef ds:uri="http://schemas.microsoft.com/office/2006/metadata/longProperties"/>
-  </ds:schemaRefs>
-</ds:datastoreItem>
-</file>
-
 <file path=customXml/itemProps4.xml><?xml version="1.0" encoding="utf-8"?>
 <ds:datastoreItem xmlns:ds="http://schemas.openxmlformats.org/officeDocument/2006/customXml" ds:itemID="{BBE466B2-E11B-4338-AFEC-553026806900}">
   <ds:schemaRefs>
